--- a/slides/6 Scaling Techniques and Topic Modeling.pptx
+++ b/slides/6 Scaling Techniques and Topic Modeling.pptx
@@ -158,7 +158,7 @@
 <file path=ppt/revisionInfo.xml><?xml version="1.0" encoding="utf-8"?>
 <p1510:revInfo xmlns:a="http://schemas.openxmlformats.org/drawingml/2006/main" xmlns:r="http://schemas.openxmlformats.org/officeDocument/2006/relationships" xmlns:p1510="http://schemas.microsoft.com/office/powerpoint/2015/10/main">
   <p1510:revLst>
-    <p1510:client id="{4DE58D0B-FF4F-E549-BEAB-361DF1BB5B89}" v="273" dt="2024-01-16T18:59:12.268"/>
+    <p1510:client id="{4DE58D0B-FF4F-E549-BEAB-361DF1BB5B89}" v="278" dt="2024-01-30T14:09:07.627"/>
   </p1510:revLst>
 </p1510:revInfo>
 </file>
@@ -168,10 +168,25 @@
   <pc:docChgLst>
     <pc:chgData name="Vallejo Vera, Sebastian" userId="9dbf769e-f5f7-4c1a-b214-de73a2d2b9d1" providerId="ADAL" clId="{4DE58D0B-FF4F-E549-BEAB-361DF1BB5B89}"/>
     <pc:docChg chg="undo redo custSel addSld delSld modSld">
-      <pc:chgData name="Vallejo Vera, Sebastian" userId="9dbf769e-f5f7-4c1a-b214-de73a2d2b9d1" providerId="ADAL" clId="{4DE58D0B-FF4F-E549-BEAB-361DF1BB5B89}" dt="2024-01-16T19:02:55.749" v="2033" actId="404"/>
+      <pc:chgData name="Vallejo Vera, Sebastian" userId="9dbf769e-f5f7-4c1a-b214-de73a2d2b9d1" providerId="ADAL" clId="{4DE58D0B-FF4F-E549-BEAB-361DF1BB5B89}" dt="2024-01-30T14:09:07.627" v="2044" actId="20577"/>
       <pc:docMkLst>
         <pc:docMk/>
       </pc:docMkLst>
+      <pc:sldChg chg="modSp mod">
+        <pc:chgData name="Vallejo Vera, Sebastian" userId="9dbf769e-f5f7-4c1a-b214-de73a2d2b9d1" providerId="ADAL" clId="{4DE58D0B-FF4F-E549-BEAB-361DF1BB5B89}" dt="2024-01-16T19:21:22.035" v="2039" actId="20577"/>
+        <pc:sldMkLst>
+          <pc:docMk/>
+          <pc:sldMk cId="3266210065" sldId="261"/>
+        </pc:sldMkLst>
+        <pc:spChg chg="mod">
+          <ac:chgData name="Vallejo Vera, Sebastian" userId="9dbf769e-f5f7-4c1a-b214-de73a2d2b9d1" providerId="ADAL" clId="{4DE58D0B-FF4F-E549-BEAB-361DF1BB5B89}" dt="2024-01-16T19:21:22.035" v="2039" actId="20577"/>
+          <ac:spMkLst>
+            <pc:docMk/>
+            <pc:sldMk cId="3266210065" sldId="261"/>
+            <ac:spMk id="4" creationId="{2AF1B0E2-FD49-F451-C553-41D2BA56BCC5}"/>
+          </ac:spMkLst>
+        </pc:spChg>
+      </pc:sldChg>
       <pc:sldChg chg="modSp mod">
         <pc:chgData name="Vallejo Vera, Sebastian" userId="9dbf769e-f5f7-4c1a-b214-de73a2d2b9d1" providerId="ADAL" clId="{4DE58D0B-FF4F-E549-BEAB-361DF1BB5B89}" dt="2024-01-16T18:56:37.840" v="1810" actId="20577"/>
         <pc:sldMkLst>
@@ -188,13 +203,13 @@
         </pc:spChg>
       </pc:sldChg>
       <pc:sldChg chg="modSp mod modAnim">
-        <pc:chgData name="Vallejo Vera, Sebastian" userId="9dbf769e-f5f7-4c1a-b214-de73a2d2b9d1" providerId="ADAL" clId="{4DE58D0B-FF4F-E549-BEAB-361DF1BB5B89}" dt="2024-01-16T18:59:12.268" v="1998"/>
+        <pc:chgData name="Vallejo Vera, Sebastian" userId="9dbf769e-f5f7-4c1a-b214-de73a2d2b9d1" providerId="ADAL" clId="{4DE58D0B-FF4F-E549-BEAB-361DF1BB5B89}" dt="2024-01-30T14:09:07.627" v="2044" actId="20577"/>
         <pc:sldMkLst>
           <pc:docMk/>
           <pc:sldMk cId="3340894322" sldId="264"/>
         </pc:sldMkLst>
         <pc:spChg chg="mod">
-          <ac:chgData name="Vallejo Vera, Sebastian" userId="9dbf769e-f5f7-4c1a-b214-de73a2d2b9d1" providerId="ADAL" clId="{4DE58D0B-FF4F-E549-BEAB-361DF1BB5B89}" dt="2024-01-16T18:58:59.132" v="1995" actId="20577"/>
+          <ac:chgData name="Vallejo Vera, Sebastian" userId="9dbf769e-f5f7-4c1a-b214-de73a2d2b9d1" providerId="ADAL" clId="{4DE58D0B-FF4F-E549-BEAB-361DF1BB5B89}" dt="2024-01-30T14:09:07.627" v="2044" actId="20577"/>
           <ac:spMkLst>
             <pc:docMk/>
             <pc:sldMk cId="3340894322" sldId="264"/>
@@ -2779,7 +2794,7 @@
           <a:p>
             <a:fld id="{9A66E314-BAAB-6D4A-B8E1-9601BF15E75E}" type="datetimeFigureOut">
               <a:rPr lang="en-US" smtClean="0"/>
-              <a:t>1/16/24</a:t>
+              <a:t>1/30/24</a:t>
             </a:fld>
             <a:endParaRPr lang="en-US"/>
           </a:p>
@@ -3017,7 +3032,7 @@
           <a:p>
             <a:fld id="{9A66E314-BAAB-6D4A-B8E1-9601BF15E75E}" type="datetimeFigureOut">
               <a:rPr lang="en-US" smtClean="0"/>
-              <a:t>1/16/24</a:t>
+              <a:t>1/30/24</a:t>
             </a:fld>
             <a:endParaRPr lang="en-US"/>
           </a:p>
@@ -3197,7 +3212,7 @@
           <a:p>
             <a:fld id="{9A66E314-BAAB-6D4A-B8E1-9601BF15E75E}" type="datetimeFigureOut">
               <a:rPr lang="en-US" smtClean="0"/>
-              <a:t>1/16/24</a:t>
+              <a:t>1/30/24</a:t>
             </a:fld>
             <a:endParaRPr lang="en-US"/>
           </a:p>
@@ -3367,7 +3382,7 @@
           <a:p>
             <a:fld id="{9A66E314-BAAB-6D4A-B8E1-9601BF15E75E}" type="datetimeFigureOut">
               <a:rPr lang="en-US" smtClean="0"/>
-              <a:t>1/16/24</a:t>
+              <a:t>1/30/24</a:t>
             </a:fld>
             <a:endParaRPr lang="en-US"/>
           </a:p>
@@ -3643,7 +3658,7 @@
           <a:p>
             <a:fld id="{9A66E314-BAAB-6D4A-B8E1-9601BF15E75E}" type="datetimeFigureOut">
               <a:rPr lang="en-US" smtClean="0"/>
-              <a:t>1/16/24</a:t>
+              <a:t>1/30/24</a:t>
             </a:fld>
             <a:endParaRPr lang="en-US"/>
           </a:p>
@@ -4844,7 +4859,7 @@
           <a:p>
             <a:fld id="{9A66E314-BAAB-6D4A-B8E1-9601BF15E75E}" type="datetimeFigureOut">
               <a:rPr lang="en-US" smtClean="0"/>
-              <a:t>1/16/24</a:t>
+              <a:t>1/30/24</a:t>
             </a:fld>
             <a:endParaRPr lang="en-US"/>
           </a:p>
@@ -5234,7 +5249,7 @@
           <a:p>
             <a:fld id="{9A66E314-BAAB-6D4A-B8E1-9601BF15E75E}" type="datetimeFigureOut">
               <a:rPr lang="en-US" smtClean="0"/>
-              <a:t>1/16/24</a:t>
+              <a:t>1/30/24</a:t>
             </a:fld>
             <a:endParaRPr lang="en-US"/>
           </a:p>
@@ -5357,7 +5372,7 @@
           <a:p>
             <a:fld id="{9A66E314-BAAB-6D4A-B8E1-9601BF15E75E}" type="datetimeFigureOut">
               <a:rPr lang="en-US" smtClean="0"/>
-              <a:t>1/16/24</a:t>
+              <a:t>1/30/24</a:t>
             </a:fld>
             <a:endParaRPr lang="en-US"/>
           </a:p>
@@ -5452,7 +5467,7 @@
           <a:p>
             <a:fld id="{9A66E314-BAAB-6D4A-B8E1-9601BF15E75E}" type="datetimeFigureOut">
               <a:rPr lang="en-US" smtClean="0"/>
-              <a:t>1/16/24</a:t>
+              <a:t>1/30/24</a:t>
             </a:fld>
             <a:endParaRPr lang="en-US"/>
           </a:p>
@@ -6215,7 +6230,7 @@
           <a:p>
             <a:fld id="{9A66E314-BAAB-6D4A-B8E1-9601BF15E75E}" type="datetimeFigureOut">
               <a:rPr lang="en-US" smtClean="0"/>
-              <a:t>1/16/24</a:t>
+              <a:t>1/30/24</a:t>
             </a:fld>
             <a:endParaRPr lang="en-US"/>
           </a:p>
@@ -7055,7 +7070,7 @@
           <a:p>
             <a:fld id="{9A66E314-BAAB-6D4A-B8E1-9601BF15E75E}" type="datetimeFigureOut">
               <a:rPr lang="en-US" smtClean="0"/>
-              <a:t>1/16/24</a:t>
+              <a:t>1/30/24</a:t>
             </a:fld>
             <a:endParaRPr lang="en-US"/>
           </a:p>
@@ -7282,7 +7297,7 @@
           <a:p>
             <a:fld id="{9A66E314-BAAB-6D4A-B8E1-9601BF15E75E}" type="datetimeFigureOut">
               <a:rPr lang="en-US" smtClean="0"/>
-              <a:t>1/16/24</a:t>
+              <a:t>1/30/24</a:t>
             </a:fld>
             <a:endParaRPr lang="en-US"/>
           </a:p>
@@ -13008,8 +13023,8 @@
           </a:p>
         </p:txBody>
       </p:sp>
-      <mc:AlternateContent xmlns:mc="http://schemas.openxmlformats.org/markup-compatibility/2006">
-        <mc:Choice xmlns:a14="http://schemas.microsoft.com/office/drawing/2010/main" Requires="a14">
+      <mc:AlternateContent xmlns:mc="http://schemas.openxmlformats.org/markup-compatibility/2006" xmlns:a14="http://schemas.microsoft.com/office/drawing/2010/main">
+        <mc:Choice Requires="a14">
           <p:sp>
             <p:nvSpPr>
               <p:cNvPr id="3" name="Content Placeholder 2">
@@ -13418,7 +13433,7 @@
             </p:txBody>
           </p:sp>
         </mc:Choice>
-        <mc:Fallback>
+        <mc:Fallback xmlns="">
           <p:sp>
             <p:nvSpPr>
               <p:cNvPr id="3" name="Content Placeholder 2">
@@ -13543,8 +13558,8 @@
           </a:p>
         </p:txBody>
       </p:sp>
-      <mc:AlternateContent xmlns:mc="http://schemas.openxmlformats.org/markup-compatibility/2006">
-        <mc:Choice xmlns:a14="http://schemas.microsoft.com/office/drawing/2010/main" Requires="a14">
+      <mc:AlternateContent xmlns:mc="http://schemas.openxmlformats.org/markup-compatibility/2006" xmlns:a14="http://schemas.microsoft.com/office/drawing/2010/main">
+        <mc:Choice Requires="a14">
           <p:sp>
             <p:nvSpPr>
               <p:cNvPr id="3" name="Content Placeholder 2">
@@ -13950,7 +13965,7 @@
             </p:txBody>
           </p:sp>
         </mc:Choice>
-        <mc:Fallback>
+        <mc:Fallback xmlns="">
           <p:sp>
             <p:nvSpPr>
               <p:cNvPr id="3" name="Content Placeholder 2">
@@ -14075,8 +14090,8 @@
           </a:p>
         </p:txBody>
       </p:sp>
-      <mc:AlternateContent xmlns:mc="http://schemas.openxmlformats.org/markup-compatibility/2006">
-        <mc:Choice xmlns:a14="http://schemas.microsoft.com/office/drawing/2010/main" Requires="a14">
+      <mc:AlternateContent xmlns:mc="http://schemas.openxmlformats.org/markup-compatibility/2006" xmlns:a14="http://schemas.microsoft.com/office/drawing/2010/main">
+        <mc:Choice Requires="a14">
           <p:sp>
             <p:nvSpPr>
               <p:cNvPr id="3" name="Content Placeholder 2">
@@ -14253,7 +14268,7 @@
             </p:txBody>
           </p:sp>
         </mc:Choice>
-        <mc:Fallback>
+        <mc:Fallback xmlns="">
           <p:sp>
             <p:nvSpPr>
               <p:cNvPr id="3" name="Content Placeholder 2">
@@ -14453,8 +14468,8 @@
           </a:p>
         </p:txBody>
       </p:sp>
-      <mc:AlternateContent xmlns:mc="http://schemas.openxmlformats.org/markup-compatibility/2006">
-        <mc:Choice xmlns:a14="http://schemas.microsoft.com/office/drawing/2010/main" Requires="a14">
+      <mc:AlternateContent xmlns:mc="http://schemas.openxmlformats.org/markup-compatibility/2006" xmlns:a14="http://schemas.microsoft.com/office/drawing/2010/main">
+        <mc:Choice Requires="a14">
           <p:sp>
             <p:nvSpPr>
               <p:cNvPr id="8" name="TextBox 7">
@@ -14483,6 +14498,7 @@
               </a:bodyPr>
               <a:lstStyle/>
               <a:p>
+                <a:pPr/>
                 <a14:m>
                   <m:oMathPara xmlns:m="http://schemas.openxmlformats.org/officeDocument/2006/math">
                     <m:oMathParaPr>
@@ -14503,7 +14519,7 @@
             </p:txBody>
           </p:sp>
         </mc:Choice>
-        <mc:Fallback>
+        <mc:Fallback xmlns="">
           <p:sp>
             <p:nvSpPr>
               <p:cNvPr id="8" name="TextBox 7">
@@ -15327,8 +15343,8 @@
           </a:p>
         </p:txBody>
       </p:sp>
-      <mc:AlternateContent xmlns:mc="http://schemas.openxmlformats.org/markup-compatibility/2006">
-        <mc:Choice xmlns:a14="http://schemas.microsoft.com/office/drawing/2010/main" Requires="a14">
+      <mc:AlternateContent xmlns:mc="http://schemas.openxmlformats.org/markup-compatibility/2006" xmlns:a14="http://schemas.microsoft.com/office/drawing/2010/main">
+        <mc:Choice Requires="a14">
           <p:sp>
             <p:nvSpPr>
               <p:cNvPr id="3" name="Content Placeholder 2">
@@ -15405,7 +15421,7 @@
             </p:txBody>
           </p:sp>
         </mc:Choice>
-        <mc:Fallback>
+        <mc:Fallback xmlns="">
           <p:sp>
             <p:nvSpPr>
               <p:cNvPr id="3" name="Content Placeholder 2">
@@ -15525,8 +15541,8 @@
             <a:chExt cx="1342440" cy="959040"/>
           </a:xfrm>
         </p:grpSpPr>
-        <mc:AlternateContent xmlns:mc="http://schemas.openxmlformats.org/markup-compatibility/2006">
-          <mc:Choice xmlns:p14="http://schemas.microsoft.com/office/powerpoint/2010/main" xmlns:aink="http://schemas.microsoft.com/office/drawing/2016/ink" Requires="p14 aink">
+        <mc:AlternateContent xmlns:mc="http://schemas.openxmlformats.org/markup-compatibility/2006" xmlns:p14="http://schemas.microsoft.com/office/powerpoint/2010/main" xmlns:aink="http://schemas.microsoft.com/office/drawing/2016/ink">
+          <mc:Choice Requires="p14 aink">
             <p:contentPart p14:bwMode="auto" r:id="rId3">
               <p14:nvContentPartPr>
                 <p14:cNvPr id="7" name="Ink 6">
@@ -15545,7 +15561,7 @@
               </p14:xfrm>
             </p:contentPart>
           </mc:Choice>
-          <mc:Fallback>
+          <mc:Fallback xmlns="">
             <p:pic>
               <p:nvPicPr>
                 <p:cNvPr id="7" name="Ink 6">
@@ -15576,8 +15592,8 @@
             </p:pic>
           </mc:Fallback>
         </mc:AlternateContent>
-        <mc:AlternateContent xmlns:mc="http://schemas.openxmlformats.org/markup-compatibility/2006">
-          <mc:Choice xmlns:p14="http://schemas.microsoft.com/office/powerpoint/2010/main" xmlns:aink="http://schemas.microsoft.com/office/drawing/2016/ink" Requires="p14 aink">
+        <mc:AlternateContent xmlns:mc="http://schemas.openxmlformats.org/markup-compatibility/2006" xmlns:p14="http://schemas.microsoft.com/office/powerpoint/2010/main" xmlns:aink="http://schemas.microsoft.com/office/drawing/2016/ink">
+          <mc:Choice Requires="p14 aink">
             <p:contentPart p14:bwMode="auto" r:id="rId5">
               <p14:nvContentPartPr>
                 <p14:cNvPr id="8" name="Ink 7">
@@ -15596,7 +15612,7 @@
               </p14:xfrm>
             </p:contentPart>
           </mc:Choice>
-          <mc:Fallback>
+          <mc:Fallback xmlns="">
             <p:pic>
               <p:nvPicPr>
                 <p:cNvPr id="8" name="Ink 7">
@@ -15648,8 +15664,8 @@
             <a:chExt cx="1545120" cy="542160"/>
           </a:xfrm>
         </p:grpSpPr>
-        <mc:AlternateContent xmlns:mc="http://schemas.openxmlformats.org/markup-compatibility/2006">
-          <mc:Choice xmlns:p14="http://schemas.microsoft.com/office/powerpoint/2010/main" xmlns:aink="http://schemas.microsoft.com/office/drawing/2016/ink" Requires="p14 aink">
+        <mc:AlternateContent xmlns:mc="http://schemas.openxmlformats.org/markup-compatibility/2006" xmlns:p14="http://schemas.microsoft.com/office/powerpoint/2010/main" xmlns:aink="http://schemas.microsoft.com/office/drawing/2016/ink">
+          <mc:Choice Requires="p14 aink">
             <p:contentPart p14:bwMode="auto" r:id="rId7">
               <p14:nvContentPartPr>
                 <p14:cNvPr id="12" name="Ink 11">
@@ -15668,7 +15684,7 @@
               </p14:xfrm>
             </p:contentPart>
           </mc:Choice>
-          <mc:Fallback>
+          <mc:Fallback xmlns="">
             <p:pic>
               <p:nvPicPr>
                 <p:cNvPr id="12" name="Ink 11">
@@ -15699,8 +15715,8 @@
             </p:pic>
           </mc:Fallback>
         </mc:AlternateContent>
-        <mc:AlternateContent xmlns:mc="http://schemas.openxmlformats.org/markup-compatibility/2006">
-          <mc:Choice xmlns:p14="http://schemas.microsoft.com/office/powerpoint/2010/main" xmlns:aink="http://schemas.microsoft.com/office/drawing/2016/ink" Requires="p14 aink">
+        <mc:AlternateContent xmlns:mc="http://schemas.openxmlformats.org/markup-compatibility/2006" xmlns:p14="http://schemas.microsoft.com/office/powerpoint/2010/main" xmlns:aink="http://schemas.microsoft.com/office/drawing/2016/ink">
+          <mc:Choice Requires="p14 aink">
             <p:contentPart p14:bwMode="auto" r:id="rId9">
               <p14:nvContentPartPr>
                 <p14:cNvPr id="13" name="Ink 12">
@@ -15719,7 +15735,7 @@
               </p14:xfrm>
             </p:contentPart>
           </mc:Choice>
-          <mc:Fallback>
+          <mc:Fallback xmlns="">
             <p:pic>
               <p:nvPicPr>
                 <p:cNvPr id="13" name="Ink 12">
@@ -15880,8 +15896,8 @@
           </a:p>
         </p:txBody>
       </p:sp>
-      <mc:AlternateContent xmlns:mc="http://schemas.openxmlformats.org/markup-compatibility/2006">
-        <mc:Choice xmlns:a14="http://schemas.microsoft.com/office/drawing/2010/main" Requires="a14">
+      <mc:AlternateContent xmlns:mc="http://schemas.openxmlformats.org/markup-compatibility/2006" xmlns:a14="http://schemas.microsoft.com/office/drawing/2010/main">
+        <mc:Choice Requires="a14">
           <p:sp>
             <p:nvSpPr>
               <p:cNvPr id="3" name="Content Placeholder 2">
@@ -15964,7 +15980,7 @@
             </p:txBody>
           </p:sp>
         </mc:Choice>
-        <mc:Fallback>
+        <mc:Fallback xmlns="">
           <p:sp>
             <p:nvSpPr>
               <p:cNvPr id="3" name="Content Placeholder 2">
@@ -16084,8 +16100,8 @@
             <a:chExt cx="1163880" cy="1006920"/>
           </a:xfrm>
         </p:grpSpPr>
-        <mc:AlternateContent xmlns:mc="http://schemas.openxmlformats.org/markup-compatibility/2006">
-          <mc:Choice xmlns:p14="http://schemas.microsoft.com/office/powerpoint/2010/main" xmlns:aink="http://schemas.microsoft.com/office/drawing/2016/ink" Requires="p14 aink">
+        <mc:AlternateContent xmlns:mc="http://schemas.openxmlformats.org/markup-compatibility/2006" xmlns:p14="http://schemas.microsoft.com/office/powerpoint/2010/main" xmlns:aink="http://schemas.microsoft.com/office/drawing/2016/ink">
+          <mc:Choice Requires="p14 aink">
             <p:contentPart p14:bwMode="auto" r:id="rId3">
               <p14:nvContentPartPr>
                 <p14:cNvPr id="2" name="Ink 1">
@@ -16104,7 +16120,7 @@
               </p14:xfrm>
             </p:contentPart>
           </mc:Choice>
-          <mc:Fallback>
+          <mc:Fallback xmlns="">
             <p:pic>
               <p:nvPicPr>
                 <p:cNvPr id="2" name="Ink 1">
@@ -16135,8 +16151,8 @@
             </p:pic>
           </mc:Fallback>
         </mc:AlternateContent>
-        <mc:AlternateContent xmlns:mc="http://schemas.openxmlformats.org/markup-compatibility/2006">
-          <mc:Choice xmlns:p14="http://schemas.microsoft.com/office/powerpoint/2010/main" xmlns:aink="http://schemas.microsoft.com/office/drawing/2016/ink" Requires="p14 aink">
+        <mc:AlternateContent xmlns:mc="http://schemas.openxmlformats.org/markup-compatibility/2006" xmlns:p14="http://schemas.microsoft.com/office/powerpoint/2010/main" xmlns:aink="http://schemas.microsoft.com/office/drawing/2016/ink">
+          <mc:Choice Requires="p14 aink">
             <p:contentPart p14:bwMode="auto" r:id="rId5">
               <p14:nvContentPartPr>
                 <p14:cNvPr id="3" name="Ink 2">
@@ -16155,7 +16171,7 @@
               </p14:xfrm>
             </p:contentPart>
           </mc:Choice>
-          <mc:Fallback>
+          <mc:Fallback xmlns="">
             <p:pic>
               <p:nvPicPr>
                 <p:cNvPr id="3" name="Ink 2">
@@ -16207,8 +16223,8 @@
             <a:chExt cx="1173240" cy="831960"/>
           </a:xfrm>
         </p:grpSpPr>
-        <mc:AlternateContent xmlns:mc="http://schemas.openxmlformats.org/markup-compatibility/2006">
-          <mc:Choice xmlns:p14="http://schemas.microsoft.com/office/powerpoint/2010/main" xmlns:aink="http://schemas.microsoft.com/office/drawing/2016/ink" Requires="p14 aink">
+        <mc:AlternateContent xmlns:mc="http://schemas.openxmlformats.org/markup-compatibility/2006" xmlns:p14="http://schemas.microsoft.com/office/powerpoint/2010/main" xmlns:aink="http://schemas.microsoft.com/office/drawing/2016/ink">
+          <mc:Choice Requires="p14 aink">
             <p:contentPart p14:bwMode="auto" r:id="rId7">
               <p14:nvContentPartPr>
                 <p14:cNvPr id="6" name="Ink 5">
@@ -16227,7 +16243,7 @@
               </p14:xfrm>
             </p:contentPart>
           </mc:Choice>
-          <mc:Fallback>
+          <mc:Fallback xmlns="">
             <p:pic>
               <p:nvPicPr>
                 <p:cNvPr id="6" name="Ink 5">
@@ -16258,8 +16274,8 @@
             </p:pic>
           </mc:Fallback>
         </mc:AlternateContent>
-        <mc:AlternateContent xmlns:mc="http://schemas.openxmlformats.org/markup-compatibility/2006">
-          <mc:Choice xmlns:p14="http://schemas.microsoft.com/office/powerpoint/2010/main" xmlns:aink="http://schemas.microsoft.com/office/drawing/2016/ink" Requires="p14 aink">
+        <mc:AlternateContent xmlns:mc="http://schemas.openxmlformats.org/markup-compatibility/2006" xmlns:p14="http://schemas.microsoft.com/office/powerpoint/2010/main" xmlns:aink="http://schemas.microsoft.com/office/drawing/2016/ink">
+          <mc:Choice Requires="p14 aink">
             <p:contentPart p14:bwMode="auto" r:id="rId9">
               <p14:nvContentPartPr>
                 <p14:cNvPr id="7" name="Ink 6">
@@ -16278,7 +16294,7 @@
               </p14:xfrm>
             </p:contentPart>
           </mc:Choice>
-          <mc:Fallback>
+          <mc:Fallback xmlns="">
             <p:pic>
               <p:nvPicPr>
                 <p:cNvPr id="7" name="Ink 6">
@@ -16449,8 +16465,8 @@
             <a:chExt cx="680760" cy="461880"/>
           </a:xfrm>
         </p:grpSpPr>
-        <mc:AlternateContent xmlns:mc="http://schemas.openxmlformats.org/markup-compatibility/2006">
-          <mc:Choice xmlns:p14="http://schemas.microsoft.com/office/powerpoint/2010/main" xmlns:aink="http://schemas.microsoft.com/office/drawing/2016/ink" Requires="p14 aink">
+        <mc:AlternateContent xmlns:mc="http://schemas.openxmlformats.org/markup-compatibility/2006" xmlns:p14="http://schemas.microsoft.com/office/powerpoint/2010/main" xmlns:aink="http://schemas.microsoft.com/office/drawing/2016/ink">
+          <mc:Choice Requires="p14 aink">
             <p:contentPart p14:bwMode="auto" r:id="rId11">
               <p14:nvContentPartPr>
                 <p14:cNvPr id="14" name="Ink 13">
@@ -16469,7 +16485,7 @@
               </p14:xfrm>
             </p:contentPart>
           </mc:Choice>
-          <mc:Fallback>
+          <mc:Fallback xmlns="">
             <p:pic>
               <p:nvPicPr>
                 <p:cNvPr id="14" name="Ink 13">
@@ -16500,8 +16516,8 @@
             </p:pic>
           </mc:Fallback>
         </mc:AlternateContent>
-        <mc:AlternateContent xmlns:mc="http://schemas.openxmlformats.org/markup-compatibility/2006">
-          <mc:Choice xmlns:p14="http://schemas.microsoft.com/office/powerpoint/2010/main" xmlns:aink="http://schemas.microsoft.com/office/drawing/2016/ink" Requires="p14 aink">
+        <mc:AlternateContent xmlns:mc="http://schemas.openxmlformats.org/markup-compatibility/2006" xmlns:p14="http://schemas.microsoft.com/office/powerpoint/2010/main" xmlns:aink="http://schemas.microsoft.com/office/drawing/2016/ink">
+          <mc:Choice Requires="p14 aink">
             <p:contentPart p14:bwMode="auto" r:id="rId13">
               <p14:nvContentPartPr>
                 <p14:cNvPr id="15" name="Ink 14">
@@ -16520,7 +16536,7 @@
               </p14:xfrm>
             </p:contentPart>
           </mc:Choice>
-          <mc:Fallback>
+          <mc:Fallback xmlns="">
             <p:pic>
               <p:nvPicPr>
                 <p:cNvPr id="15" name="Ink 14">
@@ -17089,7 +17105,15 @@
           <a:p>
             <a:r>
               <a:rPr lang="en-US" dirty="0"/>
-              <a:t>That said, even with my particular idiosyncratic view on the topic (as well as my experience with these models), I believe that it is important to understand the intuition behind these models (and how to apply them).  </a:t>
+              <a:t>That said, even with my particular idiosyncratic view on the topic (as well as my experience with these models), </a:t>
+            </a:r>
+            <a:r>
+              <a:rPr lang="en-US"/>
+              <a:t>I also believe </a:t>
+            </a:r>
+            <a:r>
+              <a:rPr lang="en-US" dirty="0"/>
+              <a:t>that it is important to understand the intuition behind these models (and how to apply them).  </a:t>
             </a:r>
           </a:p>
           <a:p>
@@ -17446,7 +17470,7 @@
           <a:p>
             <a:r>
               <a:rPr lang="en-US" dirty="0"/>
-              <a:t>Laver and Benoit’s (2003) </a:t>
+              <a:t>Laver et al.’s (2003) </a:t>
             </a:r>
             <a:r>
               <a:rPr lang="en-US" dirty="0" err="1"/>
